--- a/day2/slides/09_GECKO_parallel.pptx
+++ b/day2/slides/09_GECKO_parallel.pptx
@@ -9136,19 +9136,7 @@
                 <a:cs typeface="Calibri"/>
                 <a:sym typeface="Calibri"/>
               </a:rPr>
-              <a:t>Leskosec</a:t>
-            </a:r>
-            <a:r>
-              <a:rPr lang="en-US" sz="2400" b="0" i="1" u="none" strike="noStrike" cap="none" dirty="0" smtClean="0">
-                <a:solidFill>
-                  <a:schemeClr val="dk1"/>
-                </a:solidFill>
-                <a:latin typeface="Calibri"/>
-                <a:ea typeface="Calibri"/>
-                <a:cs typeface="Calibri"/>
-                <a:sym typeface="Calibri"/>
-              </a:rPr>
-              <a:t> </a:t>
+              <a:t>Leskosek</a:t>
             </a:r>
             <a:endParaRPr lang="en-US" sz="2400" b="0" i="1" u="none" strike="noStrike" cap="none" dirty="0">
               <a:solidFill>
@@ -9216,6 +9204,13 @@
   <p:clrMapOvr>
     <a:masterClrMapping/>
   </p:clrMapOvr>
+  <p:timing>
+    <p:tnLst>
+      <p:par>
+        <p:cTn id="1" dur="indefinite" restart="never" nodeType="tmRoot"/>
+      </p:par>
+    </p:tnLst>
+  </p:timing>
 </p:sld>
 </file>
 
@@ -9444,15 +9439,15 @@
                   <a:srgbClr val="2F5897"/>
                 </a:solidFill>
               </a:rPr>
-              <a:t>In the second level, a set of </a:t>
+              <a:t>In the second level, a set </a:t>
             </a:r>
             <a:r>
-              <a:rPr lang="en-GB" dirty="0" err="1">
+              <a:rPr lang="en-GB" dirty="0" smtClean="0">
                 <a:solidFill>
                   <a:srgbClr val="2F5897"/>
                 </a:solidFill>
               </a:rPr>
-              <a:t>of</a:t>
+              <a:t>of </a:t>
             </a:r>
             <a:r>
               <a:rPr lang="en-GB" dirty="0">
@@ -9460,7 +9455,7 @@
                   <a:srgbClr val="2F5897"/>
                 </a:solidFill>
               </a:rPr>
-              <a:t> bacteria and mammalian sequences ranging from 5 to 410 </a:t>
+              <a:t>bacteria and mammalian sequences ranging from 5 to 410 </a:t>
             </a:r>
             <a:r>
               <a:rPr lang="en-GB" dirty="0" err="1">
@@ -12689,7 +12684,23 @@
                   <a:srgbClr val="2F5897"/>
                 </a:solidFill>
               </a:rPr>
-              <a:t>GPUs, FPGAs, multicores and/or Intel Xeon Phi being able to compare at most sequences of up to hundreds of millions of characters (108)</a:t>
+              <a:t>GPUs, FPGAs, multicores and/or Intel Xeon Phi being able to compare at most sequences of up to hundreds of millions of characters (10</a:t>
+            </a:r>
+            <a:r>
+              <a:rPr lang="en-GB" sz="2000" baseline="30000" dirty="0">
+                <a:solidFill>
+                  <a:srgbClr val="2F5897"/>
+                </a:solidFill>
+              </a:rPr>
+              <a:t>8</a:t>
+            </a:r>
+            <a:r>
+              <a:rPr lang="en-GB" sz="2000" dirty="0">
+                <a:solidFill>
+                  <a:srgbClr val="2F5897"/>
+                </a:solidFill>
+              </a:rPr>
+              <a:t>)</a:t>
             </a:r>
           </a:p>
           <a:p>
@@ -15234,11 +15245,6 @@
               </a:rPr>
               <a:t>level)</a:t>
             </a:r>
-            <a:endParaRPr lang="en-GB" dirty="0">
-              <a:solidFill>
-                <a:srgbClr val="2F5897"/>
-              </a:solidFill>
-            </a:endParaRPr>
           </a:p>
         </p:txBody>
       </p:sp>
